--- a/pdfs/w3/D25_.NET_JavaScriptObjectsAndClasses.pptx
+++ b/pdfs/w3/D25_.NET_JavaScriptObjectsAndClasses.pptx
@@ -378,7 +378,7 @@
           <a:p>
             <a:fld id="{9184DA70-C731-4C70-880D-CCD4705E623C}" type="datetime1">
               <a:rPr lang="en-US" smtClean="0"/>
-              <a:t>12/19/2021</a:t>
+              <a:t>12/22/2021</a:t>
             </a:fld>
             <a:endParaRPr lang="en-US" dirty="0"/>
           </a:p>
@@ -566,7 +566,7 @@
           <a:p>
             <a:fld id="{B612A279-0833-481D-8C56-F67FD0AC6C50}" type="datetime1">
               <a:rPr lang="en-US" smtClean="0"/>
-              <a:t>12/19/2021</a:t>
+              <a:t>12/22/2021</a:t>
             </a:fld>
             <a:endParaRPr lang="en-US" dirty="0"/>
           </a:p>
@@ -808,7 +808,7 @@
           <a:p>
             <a:fld id="{6587DA83-5663-4C9C-B9AA-0B40A3DAFF81}" type="datetime1">
               <a:rPr lang="en-US" smtClean="0"/>
-              <a:t>12/19/2021</a:t>
+              <a:t>12/22/2021</a:t>
             </a:fld>
             <a:endParaRPr lang="en-US" dirty="0"/>
           </a:p>
@@ -996,7 +996,7 @@
           <a:p>
             <a:fld id="{4BE1D723-8F53-4F53-90B0-1982A396982E}" type="datetime1">
               <a:rPr lang="en-US" smtClean="0"/>
-              <a:t>12/19/2021</a:t>
+              <a:t>12/22/2021</a:t>
             </a:fld>
             <a:endParaRPr lang="en-US" dirty="0"/>
           </a:p>
@@ -1369,7 +1369,7 @@
           <a:p>
             <a:fld id="{97669AF7-7BEB-44E4-9852-375E34362B5B}" type="datetime1">
               <a:rPr lang="en-US" smtClean="0"/>
-              <a:t>12/19/2021</a:t>
+              <a:t>12/22/2021</a:t>
             </a:fld>
             <a:endParaRPr lang="en-US" dirty="0"/>
           </a:p>
@@ -1624,7 +1624,7 @@
           <a:p>
             <a:fld id="{BAAAC38D-0552-4C82-B593-E6124DFADBE2}" type="datetime1">
               <a:rPr lang="en-US" smtClean="0"/>
-              <a:t>12/19/2021</a:t>
+              <a:t>12/22/2021</a:t>
             </a:fld>
             <a:endParaRPr lang="en-US" dirty="0"/>
           </a:p>
@@ -2021,7 +2021,7 @@
           <a:p>
             <a:fld id="{D9DF0F1C-5577-4ACB-BB62-DF8F3C494C7E}" type="datetime1">
               <a:rPr lang="en-US" smtClean="0"/>
-              <a:t>12/19/2021</a:t>
+              <a:t>12/22/2021</a:t>
             </a:fld>
             <a:endParaRPr lang="en-US" dirty="0"/>
           </a:p>
@@ -2157,7 +2157,7 @@
           <a:p>
             <a:fld id="{1775B394-D9F9-4F0C-B15D-605F45CB9E9F}" type="datetime1">
               <a:rPr lang="en-US" smtClean="0"/>
-              <a:t>12/19/2021</a:t>
+              <a:t>12/22/2021</a:t>
             </a:fld>
             <a:endParaRPr lang="en-US" dirty="0"/>
           </a:p>
@@ -2314,7 +2314,7 @@
           <a:p>
             <a:fld id="{39667345-2558-425A-8533-9BFDBCE15005}" type="datetime1">
               <a:rPr lang="en-US" smtClean="0"/>
-              <a:t>12/19/2021</a:t>
+              <a:t>12/22/2021</a:t>
             </a:fld>
             <a:endParaRPr lang="en-US" dirty="0"/>
           </a:p>
@@ -2643,7 +2643,7 @@
           <a:p>
             <a:fld id="{92BEA474-078D-4E9B-9B14-09A87B19DC46}" type="datetime1">
               <a:rPr lang="en-US" smtClean="0"/>
-              <a:t>12/19/2021</a:t>
+              <a:t>12/22/2021</a:t>
             </a:fld>
             <a:endParaRPr lang="en-US" dirty="0"/>
           </a:p>
@@ -2993,7 +2993,7 @@
           <a:p>
             <a:fld id="{4907D986-8816-4272-A432-0437A28A9828}" type="datetime1">
               <a:rPr lang="en-US" smtClean="0"/>
-              <a:t>12/19/2021</a:t>
+              <a:t>12/22/2021</a:t>
             </a:fld>
             <a:endParaRPr lang="en-US" dirty="0"/>
           </a:p>
@@ -3254,7 +3254,7 @@
           <a:p>
             <a:fld id="{62D6E202-B606-4609-B914-27C9371A1F6D}" type="datetime1">
               <a:rPr lang="en-US" smtClean="0"/>
-              <a:t>12/19/2021</a:t>
+              <a:t>12/22/2021</a:t>
             </a:fld>
             <a:endParaRPr lang="en-US" dirty="0"/>
           </a:p>
@@ -4291,12 +4291,20 @@
               <a:buNone/>
             </a:pPr>
             <a:r>
+              <a:rPr lang="en-US" sz="2400" b="1" i="1" dirty="0">
+                <a:solidFill>
+                  <a:schemeClr val="tx1"/>
+                </a:solidFill>
+              </a:rPr>
+              <a:t>Setters</a:t>
+            </a:r>
+            <a:r>
               <a:rPr lang="en-US" sz="2400" dirty="0">
                 <a:solidFill>
                   <a:schemeClr val="tx1"/>
                 </a:solidFill>
               </a:rPr>
-              <a:t>Setters must have one formal parameter.</a:t>
+              <a:t> must have one parameter.</a:t>
             </a:r>
           </a:p>
         </p:txBody>
@@ -5370,10 +5378,22 @@
                   <a:schemeClr val="tx1"/>
                 </a:solidFill>
               </a:rPr>
-              <a:t>JavaScript Objects without __proto__</a:t>
+              <a:t>JavaScript Objects without </a:t>
+            </a:r>
+            <a:r>
+              <a:rPr lang="en-US" sz="5200" dirty="0">
+                <a:solidFill>
+                  <a:srgbClr val="FF0000"/>
+                </a:solidFill>
+              </a:rPr>
+              <a:t>__proto__</a:t>
             </a:r>
             <a:br>
-              <a:rPr lang="en-US" dirty="0"/>
+              <a:rPr lang="en-US" dirty="0">
+                <a:solidFill>
+                  <a:srgbClr val="FF0000"/>
+                </a:solidFill>
+              </a:rPr>
             </a:br>
             <a:r>
               <a:rPr lang="en-US" sz="1600" dirty="0">
@@ -5802,7 +5822,7 @@
           <a:p>
             <a:pPr algn="ctr"/>
             <a:r>
-              <a:rPr lang="en-US" sz="3200" dirty="0">
+              <a:rPr lang="en-US" sz="3200" b="1" dirty="0">
                 <a:solidFill>
                   <a:srgbClr val="FF0000"/>
                 </a:solidFill>
@@ -5810,7 +5830,7 @@
               <a:t>__proto__</a:t>
             </a:r>
             <a:r>
-              <a:rPr lang="en-US" sz="3200" dirty="0"/>
+              <a:rPr lang="en-US" sz="3200" b="1" dirty="0"/>
               <a:t> is outdated and deprecated.</a:t>
             </a:r>
           </a:p>
@@ -7217,8 +7237,8 @@
         </p:nvSpPr>
         <p:spPr>
           <a:xfrm>
-            <a:off x="2024743" y="5212524"/>
-            <a:ext cx="3623338" cy="1063562"/>
+            <a:off x="1742364" y="5212524"/>
+            <a:ext cx="3905717" cy="1063562"/>
           </a:xfrm>
           <a:prstGeom prst="rect">
             <a:avLst/>
@@ -7226,7 +7246,7 @@
         </p:spPr>
         <p:txBody>
           <a:bodyPr wrap="square" anchor="ctr">
-            <a:normAutofit fontScale="92500"/>
+            <a:normAutofit/>
           </a:bodyPr>
           <a:lstStyle/>
           <a:p>
@@ -8180,7 +8200,7 @@
         </p:nvSpPr>
         <p:spPr>
           <a:xfrm>
-            <a:off x="1097280" y="286603"/>
+            <a:off x="1138223" y="453061"/>
             <a:ext cx="10058400" cy="1308179"/>
           </a:xfrm>
         </p:spPr>
@@ -8442,7 +8462,7 @@
                   <a:srgbClr val="FF0000"/>
                 </a:solidFill>
               </a:rPr>
-              <a:t>let exists = ‘name’ in user</a:t>
+              <a:t>let exists = ‘name’ in user;</a:t>
             </a:r>
           </a:p>
           <a:p>
@@ -10170,7 +10190,12 @@
             <p:ph type="title"/>
           </p:nvPr>
         </p:nvSpPr>
-        <p:spPr/>
+        <p:spPr>
+          <a:xfrm>
+            <a:off x="1097280" y="286603"/>
+            <a:ext cx="10362290" cy="1450757"/>
+          </a:xfrm>
+        </p:spPr>
         <p:txBody>
           <a:bodyPr>
             <a:normAutofit fontScale="90000"/>
@@ -10183,7 +10208,7 @@
                   <a:schemeClr val="tx1"/>
                 </a:solidFill>
               </a:rPr>
-              <a:t>JS Functions – Constructors and ‘new’ </a:t>
+              <a:t>JS Functions – Constructors and ‘new’</a:t>
             </a:r>
             <a:br>
               <a:rPr lang="en-US" dirty="0"/>
@@ -10216,9 +10241,12 @@
         </p:nvSpPr>
         <p:spPr>
           <a:xfrm>
-            <a:off x="2067145" y="4493687"/>
-            <a:ext cx="4923737" cy="1841799"/>
-          </a:xfrm>
+            <a:off x="2067143" y="4493686"/>
+            <a:ext cx="4923740" cy="2155629"/>
+          </a:xfrm>
+          <a:solidFill>
+            <a:schemeClr val="bg1"/>
+          </a:solidFill>
           <a:ln w="25400">
             <a:solidFill>
               <a:schemeClr val="accent2"/>
@@ -10227,7 +10255,7 @@
         </p:spPr>
         <p:txBody>
           <a:bodyPr anchor="ctr">
-            <a:normAutofit fontScale="92500" lnSpcReduction="10000"/>
+            <a:normAutofit/>
           </a:bodyPr>
           <a:lstStyle/>
           <a:p>
@@ -10238,7 +10266,7 @@
               <a:buNone/>
             </a:pPr>
             <a:r>
-              <a:rPr lang="en-US" sz="1600" dirty="0">
+              <a:rPr lang="en-US" sz="2000" dirty="0">
                 <a:solidFill>
                   <a:schemeClr val="tx1"/>
                 </a:solidFill>
@@ -10246,24 +10274,40 @@
               <a:t>When a function is executed with </a:t>
             </a:r>
             <a:r>
-              <a:rPr lang="en-US" sz="1600" b="1" i="1" dirty="0">
-                <a:solidFill>
-                  <a:schemeClr val="tx1"/>
+              <a:rPr lang="en-US" sz="2000" dirty="0">
+                <a:solidFill>
+                  <a:srgbClr val="FF0000"/>
                 </a:solidFill>
               </a:rPr>
               <a:t>new</a:t>
             </a:r>
             <a:r>
-              <a:rPr lang="en-US" sz="1600" dirty="0">
-                <a:solidFill>
-                  <a:schemeClr val="tx1"/>
-                </a:solidFill>
-              </a:rPr>
-              <a:t>, it implicitly does the following steps:</a:t>
-            </a:r>
-          </a:p>
-          <a:p>
-            <a:pPr marL="182880" lvl="1" indent="0">
+              <a:rPr lang="en-US" sz="2000" dirty="0">
+                <a:solidFill>
+                  <a:schemeClr val="tx1"/>
+                </a:solidFill>
+              </a:rPr>
+              <a:t>, it </a:t>
+            </a:r>
+            <a:r>
+              <a:rPr lang="en-US" sz="2000" u="sng" dirty="0">
+                <a:solidFill>
+                  <a:schemeClr val="tx1"/>
+                </a:solidFill>
+              </a:rPr>
+              <a:t>implicitly</a:t>
+            </a:r>
+            <a:r>
+              <a:rPr lang="en-US" sz="2000" dirty="0">
+                <a:solidFill>
+                  <a:schemeClr val="tx1"/>
+                </a:solidFill>
+              </a:rPr>
+              <a:t> does the following:</a:t>
+            </a:r>
+          </a:p>
+          <a:p>
+            <a:pPr marL="708660" lvl="2" indent="-342900">
               <a:spcBef>
                 <a:spcPts val="0"/>
               </a:spcBef>
@@ -10274,7 +10318,7 @@
               <a:buAutoNum type="arabicPeriod"/>
             </a:pPr>
             <a:r>
-              <a:rPr lang="en-US" sz="1400" dirty="0">
+              <a:rPr lang="en-US" sz="1200" dirty="0">
                 <a:solidFill>
                   <a:schemeClr val="tx1"/>
                 </a:solidFill>
@@ -10282,7 +10326,7 @@
               <a:t>A new empty object is created and assigned to </a:t>
             </a:r>
             <a:r>
-              <a:rPr lang="en-US" sz="1400" b="1" i="1" dirty="0">
+              <a:rPr lang="en-US" sz="1200" b="1" i="1" dirty="0">
                 <a:solidFill>
                   <a:schemeClr val="tx1"/>
                 </a:solidFill>
@@ -10290,7 +10334,7 @@
               <a:t>this</a:t>
             </a:r>
             <a:r>
-              <a:rPr lang="en-US" sz="1400" dirty="0">
+              <a:rPr lang="en-US" sz="1200" dirty="0">
                 <a:solidFill>
                   <a:schemeClr val="tx1"/>
                 </a:solidFill>
@@ -10299,7 +10343,7 @@
             </a:r>
           </a:p>
           <a:p>
-            <a:pPr marL="182880" lvl="1" indent="0">
+            <a:pPr marL="708660" lvl="2" indent="-342900">
               <a:spcBef>
                 <a:spcPts val="0"/>
               </a:spcBef>
@@ -10310,7 +10354,7 @@
               <a:buAutoNum type="arabicPeriod"/>
             </a:pPr>
             <a:r>
-              <a:rPr lang="en-US" sz="1400" dirty="0">
+              <a:rPr lang="en-US" sz="1200" dirty="0">
                 <a:solidFill>
                   <a:schemeClr val="tx1"/>
                 </a:solidFill>
@@ -10318,7 +10362,7 @@
               <a:t>The function body executes. Usually it modifies </a:t>
             </a:r>
             <a:r>
-              <a:rPr lang="en-US" sz="1400" b="1" i="1" dirty="0">
+              <a:rPr lang="en-US" sz="1200" b="1" i="1" dirty="0">
                 <a:solidFill>
                   <a:schemeClr val="tx1"/>
                 </a:solidFill>
@@ -10326,7 +10370,7 @@
               <a:t>this</a:t>
             </a:r>
             <a:r>
-              <a:rPr lang="en-US" sz="1400" dirty="0">
+              <a:rPr lang="en-US" sz="1200" dirty="0">
                 <a:solidFill>
                   <a:schemeClr val="tx1"/>
                 </a:solidFill>
@@ -10335,7 +10379,7 @@
             </a:r>
           </a:p>
           <a:p>
-            <a:pPr marL="182880" lvl="1" indent="0">
+            <a:pPr marL="708660" lvl="2" indent="-342900">
               <a:spcBef>
                 <a:spcPts val="0"/>
               </a:spcBef>
@@ -10346,7 +10390,7 @@
               <a:buAutoNum type="arabicPeriod"/>
             </a:pPr>
             <a:r>
-              <a:rPr lang="en-US" sz="1400" dirty="0">
+              <a:rPr lang="en-US" sz="1200" dirty="0">
                 <a:solidFill>
                   <a:schemeClr val="tx1"/>
                 </a:solidFill>
@@ -10354,7 +10398,7 @@
               <a:t>The value of </a:t>
             </a:r>
             <a:r>
-              <a:rPr lang="en-US" sz="1400" b="1" i="1" dirty="0">
+              <a:rPr lang="en-US" sz="1200" b="1" i="1" dirty="0">
                 <a:solidFill>
                   <a:schemeClr val="tx1"/>
                 </a:solidFill>
@@ -10362,7 +10406,7 @@
               <a:t>this</a:t>
             </a:r>
             <a:r>
-              <a:rPr lang="en-US" sz="1400" dirty="0">
+              <a:rPr lang="en-US" sz="1200" dirty="0">
                 <a:solidFill>
                   <a:schemeClr val="tx1"/>
                 </a:solidFill>
@@ -10370,7 +10414,7 @@
               <a:t> is returned</a:t>
             </a:r>
             <a:r>
-              <a:rPr lang="en-US" sz="1400" dirty="0"/>
+              <a:rPr lang="en-US" sz="1200" dirty="0"/>
               <a:t>.</a:t>
             </a:r>
           </a:p>
@@ -10382,15 +10426,15 @@
               <a:buNone/>
             </a:pPr>
             <a:r>
-              <a:rPr lang="en-US" sz="1400" dirty="0">
+              <a:rPr lang="en-US" sz="1600" dirty="0">
                 <a:solidFill>
                   <a:srgbClr val="0070C0"/>
                 </a:solidFill>
               </a:rPr>
-              <a:t>The main purpose of constructors is to implement </a:t>
-            </a:r>
-            <a:r>
-              <a:rPr lang="en-US" sz="1400" u="sng" dirty="0">
+              <a:t>The main purpose of constructor functions is to implement </a:t>
+            </a:r>
+            <a:r>
+              <a:rPr lang="en-US" sz="1600" u="sng" dirty="0">
                 <a:solidFill>
                   <a:srgbClr val="0070C0"/>
                 </a:solidFill>
@@ -10398,7 +10442,7 @@
               <a:t>reusable</a:t>
             </a:r>
             <a:r>
-              <a:rPr lang="en-US" sz="1400" dirty="0">
+              <a:rPr lang="en-US" sz="1600" dirty="0">
                 <a:solidFill>
                   <a:srgbClr val="0070C0"/>
                 </a:solidFill>
@@ -10585,7 +10629,19 @@
             </a:pPr>
             <a:r>
               <a:rPr lang="en-US" sz="1600" dirty="0"/>
-              <a:t>They should be executed only with "new" operator.</a:t>
+              <a:t>They should be executed only with "</a:t>
+            </a:r>
+            <a:r>
+              <a:rPr lang="en-US" sz="1600" dirty="0">
+                <a:solidFill>
+                  <a:srgbClr val="FF0000"/>
+                </a:solidFill>
+              </a:rPr>
+              <a:t>new</a:t>
+            </a:r>
+            <a:r>
+              <a:rPr lang="en-US" sz="1600" dirty="0"/>
+              <a:t>" operator.</a:t>
             </a:r>
           </a:p>
         </p:txBody>
